--- a/Xampp伺服器安裝作業.pptx
+++ b/Xampp伺服器安裝作業.pptx
@@ -141,6 +141,32 @@
     </a:lvl9pPr>
   </p:defaultTextStyle>
 </p:presentation>
+</file>
+
+<file path=ppt/commentAuthors.xml><?xml version="1.0" encoding="utf-8"?>
+<p:cmAuthorLst xmlns:a="http://schemas.openxmlformats.org/drawingml/2006/main" xmlns:r="http://schemas.openxmlformats.org/officeDocument/2006/relationships" xmlns:p="http://schemas.openxmlformats.org/presentationml/2006/main">
+  <p:cmAuthor id="1" name="owner" initials="o" lastIdx="1" clrIdx="0">
+    <p:extLst>
+      <p:ext uri="{19B8F6BF-5375-455C-9EA6-DF929625EA0E}">
+        <p15:presenceInfo xmlns:p15="http://schemas.microsoft.com/office/powerpoint/2012/main" userId="owner" providerId="None"/>
+      </p:ext>
+    </p:extLst>
+  </p:cmAuthor>
+</p:cmAuthorLst>
+</file>
+
+<file path=ppt/comments/comment1.xml><?xml version="1.0" encoding="utf-8"?>
+<p:cmLst xmlns:a="http://schemas.openxmlformats.org/drawingml/2006/main" xmlns:r="http://schemas.openxmlformats.org/officeDocument/2006/relationships" xmlns:p="http://schemas.openxmlformats.org/presentationml/2006/main">
+  <p:cm authorId="1" dt="2019-09-30T15:46:35.092" idx="1">
+    <p:pos x="10" y="10"/>
+    <p:text/>
+    <p:extLst>
+      <p:ext uri="{C676402C-5697-4E1C-873F-D02D1690AC5C}">
+        <p15:threadingInfo xmlns:p15="http://schemas.microsoft.com/office/powerpoint/2012/main" timeZoneBias="-480"/>
+      </p:ext>
+    </p:extLst>
+  </p:cm>
+</p:cmLst>
 </file>
 
 <file path=ppt/slideLayouts/slideLayout1.xml><?xml version="1.0" encoding="utf-8"?>
@@ -3686,6 +3712,243 @@
           <a:bodyPr/>
           <a:lstStyle/>
           <a:p>
+            <a:endParaRPr lang="zh-TW" altLang="en-US" dirty="0"/>
+          </a:p>
+        </p:txBody>
+      </p:sp>
+      <p:sp>
+        <p:nvSpPr>
+          <p:cNvPr id="3" name="副標題 2"/>
+          <p:cNvSpPr>
+            <a:spLocks noGrp="1"/>
+          </p:cNvSpPr>
+          <p:nvPr>
+            <p:ph type="subTitle" idx="1"/>
+          </p:nvPr>
+        </p:nvSpPr>
+        <p:spPr/>
+        <p:txBody>
+          <a:bodyPr/>
+          <a:lstStyle/>
+          <a:p>
+            <a:endParaRPr lang="zh-TW" altLang="en-US"/>
+          </a:p>
+        </p:txBody>
+      </p:sp>
+      <p:pic>
+        <p:nvPicPr>
+          <p:cNvPr id="5" name="圖片 4" descr="畫面剪輯"/>
+          <p:cNvPicPr>
+            <a:picLocks noChangeAspect="1"/>
+          </p:cNvPicPr>
+          <p:nvPr/>
+        </p:nvPicPr>
+        <p:blipFill>
+          <a:blip r:embed="rId2">
+            <a:extLst>
+              <a:ext uri="{28A0092B-C50C-407E-A947-70E740481C1C}">
+                <a14:useLocalDpi xmlns:a14="http://schemas.microsoft.com/office/drawing/2010/main" val="0"/>
+              </a:ext>
+            </a:extLst>
+          </a:blip>
+          <a:stretch>
+            <a:fillRect/>
+          </a:stretch>
+        </p:blipFill>
+        <p:spPr>
+          <a:xfrm>
+            <a:off x="994650" y="1799997"/>
+            <a:ext cx="10202699" cy="3258005"/>
+          </a:xfrm>
+          <a:prstGeom prst="rect">
+            <a:avLst/>
+          </a:prstGeom>
+        </p:spPr>
+      </p:pic>
+      <p:cxnSp>
+        <p:nvCxnSpPr>
+          <p:cNvPr id="10" name="直線單箭頭接點 9"/>
+          <p:cNvCxnSpPr/>
+          <p:nvPr/>
+        </p:nvCxnSpPr>
+        <p:spPr>
+          <a:xfrm flipV="1">
+            <a:off x="2335876" y="2244436"/>
+            <a:ext cx="4829695" cy="182880"/>
+          </a:xfrm>
+          <a:prstGeom prst="straightConnector1">
+            <a:avLst/>
+          </a:prstGeom>
+          <a:ln>
+            <a:tailEnd type="triangle"/>
+          </a:ln>
+        </p:spPr>
+        <p:style>
+          <a:lnRef idx="1">
+            <a:schemeClr val="accent1"/>
+          </a:lnRef>
+          <a:fillRef idx="0">
+            <a:schemeClr val="accent1"/>
+          </a:fillRef>
+          <a:effectRef idx="0">
+            <a:schemeClr val="accent1"/>
+          </a:effectRef>
+          <a:fontRef idx="minor">
+            <a:schemeClr val="tx1"/>
+          </a:fontRef>
+        </p:style>
+      </p:cxnSp>
+      <p:cxnSp>
+        <p:nvCxnSpPr>
+          <p:cNvPr id="12" name="直線單箭頭接點 11"/>
+          <p:cNvCxnSpPr/>
+          <p:nvPr/>
+        </p:nvCxnSpPr>
+        <p:spPr>
+          <a:xfrm flipV="1">
+            <a:off x="6774873" y="3167149"/>
+            <a:ext cx="382385" cy="523702"/>
+          </a:xfrm>
+          <a:prstGeom prst="straightConnector1">
+            <a:avLst/>
+          </a:prstGeom>
+          <a:ln>
+            <a:tailEnd type="triangle"/>
+          </a:ln>
+        </p:spPr>
+        <p:style>
+          <a:lnRef idx="1">
+            <a:schemeClr val="accent1"/>
+          </a:lnRef>
+          <a:fillRef idx="0">
+            <a:schemeClr val="accent1"/>
+          </a:fillRef>
+          <a:effectRef idx="0">
+            <a:schemeClr val="accent1"/>
+          </a:effectRef>
+          <a:fontRef idx="minor">
+            <a:schemeClr val="tx1"/>
+          </a:fontRef>
+        </p:style>
+      </p:cxnSp>
+      <p:cxnSp>
+        <p:nvCxnSpPr>
+          <p:cNvPr id="14" name="直線單箭頭接點 13"/>
+          <p:cNvCxnSpPr/>
+          <p:nvPr/>
+        </p:nvCxnSpPr>
+        <p:spPr>
+          <a:xfrm flipV="1">
+            <a:off x="4713316" y="3715789"/>
+            <a:ext cx="2452255" cy="257695"/>
+          </a:xfrm>
+          <a:prstGeom prst="straightConnector1">
+            <a:avLst/>
+          </a:prstGeom>
+          <a:ln>
+            <a:tailEnd type="triangle"/>
+          </a:ln>
+        </p:spPr>
+        <p:style>
+          <a:lnRef idx="1">
+            <a:schemeClr val="accent1"/>
+          </a:lnRef>
+          <a:fillRef idx="0">
+            <a:schemeClr val="accent1"/>
+          </a:fillRef>
+          <a:effectRef idx="0">
+            <a:schemeClr val="accent1"/>
+          </a:effectRef>
+          <a:fontRef idx="minor">
+            <a:schemeClr val="tx1"/>
+          </a:fontRef>
+        </p:style>
+      </p:cxnSp>
+      <p:cxnSp>
+        <p:nvCxnSpPr>
+          <p:cNvPr id="16" name="直線單箭頭接點 15"/>
+          <p:cNvCxnSpPr/>
+          <p:nvPr/>
+        </p:nvCxnSpPr>
+        <p:spPr>
+          <a:xfrm flipV="1">
+            <a:off x="4979324" y="4064924"/>
+            <a:ext cx="2186247" cy="149629"/>
+          </a:xfrm>
+          <a:prstGeom prst="straightConnector1">
+            <a:avLst/>
+          </a:prstGeom>
+          <a:ln>
+            <a:tailEnd type="triangle"/>
+          </a:ln>
+        </p:spPr>
+        <p:style>
+          <a:lnRef idx="1">
+            <a:schemeClr val="accent1"/>
+          </a:lnRef>
+          <a:fillRef idx="0">
+            <a:schemeClr val="accent1"/>
+          </a:fillRef>
+          <a:effectRef idx="0">
+            <a:schemeClr val="accent1"/>
+          </a:effectRef>
+          <a:fontRef idx="minor">
+            <a:schemeClr val="tx1"/>
+          </a:fontRef>
+        </p:style>
+      </p:cxnSp>
+    </p:spTree>
+    <p:extLst>
+      <p:ext uri="{BB962C8B-B14F-4D97-AF65-F5344CB8AC3E}">
+        <p14:creationId xmlns:p14="http://schemas.microsoft.com/office/powerpoint/2010/main" val="2370688045"/>
+      </p:ext>
+    </p:extLst>
+  </p:cSld>
+  <p:clrMapOvr>
+    <a:masterClrMapping/>
+  </p:clrMapOvr>
+  <p:timing>
+    <p:tnLst>
+      <p:par>
+        <p:cTn id="1" dur="indefinite" restart="never" nodeType="tmRoot"/>
+      </p:par>
+    </p:tnLst>
+  </p:timing>
+</p:sld>
+</file>
+
+<file path=ppt/slides/slide17.xml><?xml version="1.0" encoding="utf-8"?>
+<p:sld xmlns:a="http://schemas.openxmlformats.org/drawingml/2006/main" xmlns:r="http://schemas.openxmlformats.org/officeDocument/2006/relationships" xmlns:p="http://schemas.openxmlformats.org/presentationml/2006/main">
+  <p:cSld>
+    <p:spTree>
+      <p:nvGrpSpPr>
+        <p:cNvPr id="1" name=""/>
+        <p:cNvGrpSpPr/>
+        <p:nvPr/>
+      </p:nvGrpSpPr>
+      <p:grpSpPr>
+        <a:xfrm>
+          <a:off x="0" y="0"/>
+          <a:ext cx="0" cy="0"/>
+          <a:chOff x="0" y="0"/>
+          <a:chExt cx="0" cy="0"/>
+        </a:xfrm>
+      </p:grpSpPr>
+      <p:sp>
+        <p:nvSpPr>
+          <p:cNvPr id="2" name="標題 1"/>
+          <p:cNvSpPr>
+            <a:spLocks noGrp="1"/>
+          </p:cNvSpPr>
+          <p:nvPr>
+            <p:ph type="ctrTitle"/>
+          </p:nvPr>
+        </p:nvSpPr>
+        <p:spPr/>
+        <p:txBody>
+          <a:bodyPr/>
+          <a:lstStyle/>
+          <a:p>
             <a:endParaRPr lang="zh-TW" altLang="en-US"/>
           </a:p>
         </p:txBody>
@@ -3731,82 +3994,14 @@
         </p:blipFill>
         <p:spPr>
           <a:xfrm>
-            <a:off x="1680546" y="1614234"/>
-            <a:ext cx="8830907" cy="3629532"/>
+            <a:off x="2380731" y="1657102"/>
+            <a:ext cx="7430537" cy="3543795"/>
           </a:xfrm>
           <a:prstGeom prst="rect">
             <a:avLst/>
           </a:prstGeom>
         </p:spPr>
       </p:pic>
-    </p:spTree>
-    <p:extLst>
-      <p:ext uri="{BB962C8B-B14F-4D97-AF65-F5344CB8AC3E}">
-        <p14:creationId xmlns:p14="http://schemas.microsoft.com/office/powerpoint/2010/main" val="2370688045"/>
-      </p:ext>
-    </p:extLst>
-  </p:cSld>
-  <p:clrMapOvr>
-    <a:masterClrMapping/>
-  </p:clrMapOvr>
-</p:sld>
-</file>
-
-<file path=ppt/slides/slide17.xml><?xml version="1.0" encoding="utf-8"?>
-<p:sld xmlns:a="http://schemas.openxmlformats.org/drawingml/2006/main" xmlns:r="http://schemas.openxmlformats.org/officeDocument/2006/relationships" xmlns:p="http://schemas.openxmlformats.org/presentationml/2006/main">
-  <p:cSld>
-    <p:spTree>
-      <p:nvGrpSpPr>
-        <p:cNvPr id="1" name=""/>
-        <p:cNvGrpSpPr/>
-        <p:nvPr/>
-      </p:nvGrpSpPr>
-      <p:grpSpPr>
-        <a:xfrm>
-          <a:off x="0" y="0"/>
-          <a:ext cx="0" cy="0"/>
-          <a:chOff x="0" y="0"/>
-          <a:chExt cx="0" cy="0"/>
-        </a:xfrm>
-      </p:grpSpPr>
-      <p:sp>
-        <p:nvSpPr>
-          <p:cNvPr id="2" name="標題 1"/>
-          <p:cNvSpPr>
-            <a:spLocks noGrp="1"/>
-          </p:cNvSpPr>
-          <p:nvPr>
-            <p:ph type="ctrTitle"/>
-          </p:nvPr>
-        </p:nvSpPr>
-        <p:spPr/>
-        <p:txBody>
-          <a:bodyPr/>
-          <a:lstStyle/>
-          <a:p>
-            <a:endParaRPr lang="zh-TW" altLang="en-US"/>
-          </a:p>
-        </p:txBody>
-      </p:sp>
-      <p:sp>
-        <p:nvSpPr>
-          <p:cNvPr id="3" name="副標題 2"/>
-          <p:cNvSpPr>
-            <a:spLocks noGrp="1"/>
-          </p:cNvSpPr>
-          <p:nvPr>
-            <p:ph type="subTitle" idx="1"/>
-          </p:nvPr>
-        </p:nvSpPr>
-        <p:spPr/>
-        <p:txBody>
-          <a:bodyPr/>
-          <a:lstStyle/>
-          <a:p>
-            <a:endParaRPr lang="zh-TW" altLang="en-US"/>
-          </a:p>
-        </p:txBody>
-      </p:sp>
     </p:spTree>
     <p:extLst>
       <p:ext uri="{BB962C8B-B14F-4D97-AF65-F5344CB8AC3E}">
@@ -3875,6 +4070,36 @@
           </a:p>
         </p:txBody>
       </p:sp>
+      <p:pic>
+        <p:nvPicPr>
+          <p:cNvPr id="4" name="圖片 3" descr="另存新檔"/>
+          <p:cNvPicPr>
+            <a:picLocks noChangeAspect="1"/>
+          </p:cNvPicPr>
+          <p:nvPr/>
+        </p:nvPicPr>
+        <p:blipFill>
+          <a:blip r:embed="rId2">
+            <a:extLst>
+              <a:ext uri="{28A0092B-C50C-407E-A947-70E740481C1C}">
+                <a14:useLocalDpi xmlns:a14="http://schemas.microsoft.com/office/drawing/2010/main" val="0"/>
+              </a:ext>
+            </a:extLst>
+          </a:blip>
+          <a:stretch>
+            <a:fillRect/>
+          </a:stretch>
+        </p:blipFill>
+        <p:spPr>
+          <a:xfrm>
+            <a:off x="1523362" y="856891"/>
+            <a:ext cx="9145276" cy="5144218"/>
+          </a:xfrm>
+          <a:prstGeom prst="rect">
+            <a:avLst/>
+          </a:prstGeom>
+        </p:spPr>
+      </p:pic>
     </p:spTree>
     <p:extLst>
       <p:ext uri="{BB962C8B-B14F-4D97-AF65-F5344CB8AC3E}">
@@ -3943,6 +4168,36 @@
           </a:p>
         </p:txBody>
       </p:sp>
+      <p:pic>
+        <p:nvPicPr>
+          <p:cNvPr id="4" name="圖片 3" descr="畫面剪輯"/>
+          <p:cNvPicPr>
+            <a:picLocks noChangeAspect="1"/>
+          </p:cNvPicPr>
+          <p:nvPr/>
+        </p:nvPicPr>
+        <p:blipFill>
+          <a:blip r:embed="rId2">
+            <a:extLst>
+              <a:ext uri="{28A0092B-C50C-407E-A947-70E740481C1C}">
+                <a14:useLocalDpi xmlns:a14="http://schemas.microsoft.com/office/drawing/2010/main" val="0"/>
+              </a:ext>
+            </a:extLst>
+          </a:blip>
+          <a:stretch>
+            <a:fillRect/>
+          </a:stretch>
+        </p:blipFill>
+        <p:spPr>
+          <a:xfrm>
+            <a:off x="2286000" y="0"/>
+            <a:ext cx="7619999" cy="6858000"/>
+          </a:xfrm>
+          <a:prstGeom prst="rect">
+            <a:avLst/>
+          </a:prstGeom>
+        </p:spPr>
+      </p:pic>
     </p:spTree>
     <p:extLst>
       <p:ext uri="{BB962C8B-B14F-4D97-AF65-F5344CB8AC3E}">
